--- a/20140611-creating_your_own_dsl_with_yacc-part3.pptx
+++ b/20140611-creating_your_own_dsl_with_yacc-part3.pptx
@@ -207,7 +207,7 @@
           <a:p>
             <a:fld id="{740616EA-7DD0-4941-A75A-3667382BAFA7}" type="datetimeFigureOut">
               <a:rPr lang="en-AU" smtClean="0"/>
-              <a:t>10/06/2014</a:t>
+              <a:t>6/06/2016</a:t>
             </a:fld>
             <a:endParaRPr lang="en-AU"/>
           </a:p>
@@ -373,7 +373,7 @@
           <a:p>
             <a:fld id="{587278A0-4A02-4D4B-A8AB-1E1752F8063F}" type="datetimeFigureOut">
               <a:rPr lang="en-AU" smtClean="0"/>
-              <a:t>10/06/2014</a:t>
+              <a:t>6/06/2016</a:t>
             </a:fld>
             <a:endParaRPr lang="en-AU"/>
           </a:p>
@@ -1453,7 +1453,7 @@
           <a:p>
             <a:fld id="{0EAB0777-4C60-462E-A92C-CDAFD498799C}" type="datetimeFigureOut">
               <a:rPr lang="en-US" smtClean="0"/>
-              <a:t>6/10/2014</a:t>
+              <a:t>6/6/2016</a:t>
             </a:fld>
             <a:endParaRPr lang="en-US"/>
           </a:p>
@@ -1622,7 +1622,7 @@
           <a:p>
             <a:fld id="{0EAB0777-4C60-462E-A92C-CDAFD498799C}" type="datetimeFigureOut">
               <a:rPr lang="en-US" smtClean="0"/>
-              <a:t>6/10/2014</a:t>
+              <a:t>6/6/2016</a:t>
             </a:fld>
             <a:endParaRPr lang="en-US"/>
           </a:p>
@@ -1868,7 +1868,7 @@
           <a:p>
             <a:fld id="{0EAB0777-4C60-462E-A92C-CDAFD498799C}" type="datetimeFigureOut">
               <a:rPr lang="en-US" smtClean="0"/>
-              <a:t>6/10/2014</a:t>
+              <a:t>6/6/2016</a:t>
             </a:fld>
             <a:endParaRPr lang="en-US"/>
           </a:p>
@@ -2136,7 +2136,7 @@
           <a:p>
             <a:fld id="{0EAB0777-4C60-462E-A92C-CDAFD498799C}" type="datetimeFigureOut">
               <a:rPr lang="en-US" smtClean="0"/>
-              <a:t>6/10/2014</a:t>
+              <a:t>6/6/2016</a:t>
             </a:fld>
             <a:endParaRPr lang="en-US"/>
           </a:p>
@@ -2518,7 +2518,7 @@
           <a:p>
             <a:fld id="{0EAB0777-4C60-462E-A92C-CDAFD498799C}" type="datetimeFigureOut">
               <a:rPr lang="en-US" smtClean="0"/>
-              <a:t>6/10/2014</a:t>
+              <a:t>6/6/2016</a:t>
             </a:fld>
             <a:endParaRPr lang="en-US"/>
           </a:p>
@@ -2672,7 +2672,7 @@
           <a:p>
             <a:fld id="{0EAB0777-4C60-462E-A92C-CDAFD498799C}" type="datetimeFigureOut">
               <a:rPr lang="en-US" smtClean="0"/>
-              <a:t>6/10/2014</a:t>
+              <a:t>6/6/2016</a:t>
             </a:fld>
             <a:endParaRPr lang="en-US"/>
           </a:p>
@@ -2766,7 +2766,7 @@
           <a:p>
             <a:fld id="{0EAB0777-4C60-462E-A92C-CDAFD498799C}" type="datetimeFigureOut">
               <a:rPr lang="en-US" smtClean="0"/>
-              <a:t>6/10/2014</a:t>
+              <a:t>6/6/2016</a:t>
             </a:fld>
             <a:endParaRPr lang="en-US"/>
           </a:p>
@@ -3031,7 +3031,7 @@
           <a:p>
             <a:fld id="{0EAB0777-4C60-462E-A92C-CDAFD498799C}" type="datetimeFigureOut">
               <a:rPr lang="en-US" smtClean="0"/>
-              <a:t>6/10/2014</a:t>
+              <a:t>6/6/2016</a:t>
             </a:fld>
             <a:endParaRPr lang="en-US"/>
           </a:p>
@@ -3514,7 +3514,7 @@
           <a:p>
             <a:fld id="{0EAB0777-4C60-462E-A92C-CDAFD498799C}" type="datetimeFigureOut">
               <a:rPr lang="en-US" smtClean="0"/>
-              <a:t>6/10/2014</a:t>
+              <a:t>6/6/2016</a:t>
             </a:fld>
             <a:endParaRPr lang="en-US"/>
           </a:p>
@@ -3990,7 +3990,7 @@
           <a:p>
             <a:fld id="{0EAB0777-4C60-462E-A92C-CDAFD498799C}" type="datetimeFigureOut">
               <a:rPr lang="en-US" smtClean="0"/>
-              <a:t>6/10/2014</a:t>
+              <a:t>6/6/2016</a:t>
             </a:fld>
             <a:endParaRPr lang="en-US"/>
           </a:p>
@@ -4169,7 +4169,7 @@
           <a:p>
             <a:fld id="{0EAB0777-4C60-462E-A92C-CDAFD498799C}" type="datetimeFigureOut">
               <a:rPr lang="en-US" smtClean="0"/>
-              <a:t>6/10/2014</a:t>
+              <a:t>6/6/2016</a:t>
             </a:fld>
             <a:endParaRPr lang="en-US"/>
           </a:p>
@@ -6812,7 +6812,7 @@
           <a:p>
             <a:fld id="{0EAB0777-4C60-462E-A92C-CDAFD498799C}" type="datetimeFigureOut">
               <a:rPr lang="en-US" smtClean="0"/>
-              <a:t>6/10/2014</a:t>
+              <a:t>6/6/2016</a:t>
             </a:fld>
             <a:endParaRPr lang="en-US"/>
           </a:p>
@@ -7454,11 +7454,7 @@
           <a:p>
             <a:r>
               <a:rPr lang="en-US" dirty="0" smtClean="0"/>
-              <a:t>Creating your own Domain Specific Language (part </a:t>
-            </a:r>
-            <a:r>
-              <a:rPr lang="en-US" dirty="0" smtClean="0"/>
-              <a:t>3)</a:t>
+              <a:t>Creating your own Domain Specific Language (part 3)</a:t>
             </a:r>
             <a:endParaRPr lang="en-AU" dirty="0"/>
           </a:p>
@@ -7492,11 +7488,7 @@
           <a:p>
             <a:r>
               <a:rPr lang="en-US" dirty="0" smtClean="0"/>
-              <a:t>10</a:t>
-            </a:r>
-            <a:r>
-              <a:rPr lang="en-US" dirty="0" smtClean="0"/>
-              <a:t>-Jun-2014</a:t>
+              <a:t>10-Jun-2014</a:t>
             </a:r>
             <a:endParaRPr lang="en-AU" dirty="0"/>
           </a:p>
@@ -7924,12 +7916,16 @@
               <a:t>It should compile straightforwardly on a </a:t>
             </a:r>
             <a:r>
-              <a:rPr lang="en-US" dirty="0" err="1" smtClean="0"/>
-              <a:t>linux</a:t>
+              <a:rPr lang="en-US" dirty="0"/>
+              <a:t>L</a:t>
             </a:r>
             <a:r>
               <a:rPr lang="en-US" dirty="0" smtClean="0"/>
-              <a:t> box that has </a:t>
+              <a:t>inux </a:t>
+            </a:r>
+            <a:r>
+              <a:rPr lang="en-US" dirty="0" smtClean="0"/>
+              <a:t>box that has </a:t>
             </a:r>
             <a:r>
               <a:rPr lang="en-US" dirty="0" err="1" smtClean="0"/>
@@ -8524,15 +8520,7 @@
           <a:p>
             <a:r>
               <a:rPr lang="en-AU" dirty="0" smtClean="0"/>
-              <a:t>In </a:t>
-            </a:r>
-            <a:r>
-              <a:rPr lang="en-AU" dirty="0" smtClean="0"/>
-              <a:t>the final </a:t>
-            </a:r>
-            <a:r>
-              <a:rPr lang="en-AU" dirty="0" smtClean="0"/>
-              <a:t>episode, we will cover:</a:t>
+              <a:t>In the final episode, we will cover:</a:t>
             </a:r>
             <a:endParaRPr lang="en-AU" dirty="0"/>
           </a:p>
@@ -8548,11 +8536,7 @@
             <a:pPr lvl="1"/>
             <a:r>
               <a:rPr lang="en-US" dirty="0" smtClean="0"/>
-              <a:t>Creating </a:t>
-            </a:r>
-            <a:r>
-              <a:rPr lang="en-US" dirty="0" smtClean="0"/>
-              <a:t>a syntax tree</a:t>
+              <a:t>Creating a syntax tree</a:t>
             </a:r>
           </a:p>
           <a:p>
@@ -8685,16 +8669,11 @@
               <a:rPr lang="en-AU" dirty="0" smtClean="0"/>
               <a:t>We have designed our language</a:t>
             </a:r>
-            <a:endParaRPr lang="en-AU" dirty="0" smtClean="0"/>
           </a:p>
           <a:p>
             <a:r>
               <a:rPr lang="en-AU" dirty="0" smtClean="0"/>
-              <a:t>We have </a:t>
-            </a:r>
-            <a:r>
-              <a:rPr lang="en-AU" dirty="0" smtClean="0"/>
-              <a:t>created a parser for the language, using </a:t>
+              <a:t>We have created a parser for the language, using </a:t>
             </a:r>
             <a:r>
               <a:rPr lang="en-AU" dirty="0" err="1" smtClean="0"/>
@@ -8830,13 +8809,8 @@
           <a:p>
             <a:r>
               <a:rPr lang="en-AU" dirty="0" smtClean="0"/>
-              <a:t>The AST is just an </a:t>
-            </a:r>
-            <a:r>
-              <a:rPr lang="en-AU" dirty="0" smtClean="0"/>
-              <a:t>efficient representation (C data structure) of our program </a:t>
-            </a:r>
-            <a:endParaRPr lang="en-AU" dirty="0" smtClean="0"/>
+              <a:t>The AST is just an efficient representation (C data structure) of our program </a:t>
+            </a:r>
           </a:p>
           <a:p>
             <a:pPr lvl="1"/>
@@ -8977,11 +8951,7 @@
             </a:r>
             <a:r>
               <a:rPr lang="en-US" dirty="0" smtClean="0"/>
-              <a:t>(</a:t>
-            </a:r>
-            <a:r>
-              <a:rPr lang="en-US" dirty="0" smtClean="0"/>
-              <a:t>a </a:t>
+              <a:t>(a </a:t>
             </a:r>
             <a:r>
               <a:rPr lang="en-US" u="sng" dirty="0" smtClean="0"/>
@@ -9084,7 +9054,6 @@
               <a:rPr lang="en-US" dirty="0" smtClean="0"/>
               <a:t> or a variable name</a:t>
             </a:r>
-            <a:endParaRPr lang="en-US" dirty="0" smtClean="0"/>
           </a:p>
         </p:txBody>
       </p:sp>
@@ -9901,7 +9870,6 @@
               <a:rPr lang="en-AU" dirty="0"/>
               <a:t>Creating the AST</a:t>
             </a:r>
-            <a:endParaRPr lang="en-AU" dirty="0"/>
           </a:p>
         </p:txBody>
       </p:sp>
@@ -10016,10 +9984,6 @@
               </a:rPr>
               <a:t>%token EQUALS OROUND CROUND SEMICOLON COMMA OSQUARE CSQUARE</a:t>
             </a:r>
-            <a:endParaRPr lang="en-AU" dirty="0">
-              <a:latin typeface="Consolas" panose="020B0609020204030204" pitchFamily="49" charset="0"/>
-              <a:cs typeface="Consolas" panose="020B0609020204030204" pitchFamily="49" charset="0"/>
-            </a:endParaRPr>
           </a:p>
         </p:txBody>
       </p:sp>
@@ -10584,7 +10548,6 @@
               <a:rPr lang="en-US" dirty="0" smtClean="0"/>
               <a:t>So this would only be a stop-gap measure</a:t>
             </a:r>
-            <a:endParaRPr lang="en-US" dirty="0" smtClean="0"/>
           </a:p>
         </p:txBody>
       </p:sp>
@@ -10707,11 +10670,7 @@
             <a:pPr lvl="1"/>
             <a:r>
               <a:rPr lang="en-US" dirty="0" smtClean="0"/>
-              <a:t>For PDF output we need to go through the paint calls twice (</a:t>
-            </a:r>
-            <a:r>
-              <a:rPr lang="en-US" dirty="0" smtClean="0"/>
-              <a:t>once to create graphics state and once to do the drawing) – so we create a Drawing List</a:t>
+              <a:t>For PDF output we need to go through the paint calls twice (once to create graphics state and once to do the drawing) – so we create a Drawing List</a:t>
             </a:r>
           </a:p>
           <a:p>
